--- a/rough_terrain.pptx
+++ b/rough_terrain.pptx
@@ -2,12 +2,12 @@
 <file path=ppt/presentation.xml><?xml version="1.0" encoding="utf-8"?>
 <p:presentation xmlns:a="http://schemas.openxmlformats.org/drawingml/2006/main" xmlns:r="http://schemas.openxmlformats.org/officeDocument/2006/relationships" xmlns:p="http://schemas.openxmlformats.org/presentationml/2006/main" saveSubsetFonts="1">
   <p:sldMasterIdLst>
-    <p:sldMasterId id="2147483708" r:id="rId1"/>
+    <p:sldMasterId id="2147483720" r:id="rId1"/>
   </p:sldMasterIdLst>
   <p:sldIdLst>
     <p:sldId id="256" r:id="rId2"/>
   </p:sldIdLst>
-  <p:sldSz cx="9144000" cy="13716000"/>
+  <p:sldSz cx="9144000" cy="10972800"/>
   <p:notesSz cx="6858000" cy="9144000"/>
   <p:defaultTextStyle>
     <a:defPPr>
@@ -104,6 +104,11 @@
       </a:defRPr>
     </a:lvl9pPr>
   </p:defaultTextStyle>
+  <p:extLst>
+    <p:ext uri="{EFAFB233-063F-42B5-8137-9DF3F51BA10A}">
+      <p15:sldGuideLst xmlns:p15="http://schemas.microsoft.com/office/powerpoint/2012/main"/>
+    </p:ext>
+  </p:extLst>
 </p:presentation>
 </file>
 
@@ -136,8 +141,8 @@
         </p:nvSpPr>
         <p:spPr>
           <a:xfrm>
-            <a:off x="685800" y="2244726"/>
-            <a:ext cx="7772400" cy="4775200"/>
+            <a:off x="685800" y="1795781"/>
+            <a:ext cx="7772400" cy="3820160"/>
           </a:xfrm>
         </p:spPr>
         <p:txBody>
@@ -168,8 +173,8 @@
         </p:nvSpPr>
         <p:spPr>
           <a:xfrm>
-            <a:off x="1143000" y="7204076"/>
-            <a:ext cx="6858000" cy="3311524"/>
+            <a:off x="1143000" y="5763261"/>
+            <a:ext cx="6858000" cy="2649219"/>
           </a:xfrm>
         </p:spPr>
         <p:txBody>
@@ -238,7 +243,7 @@
           <a:p>
             <a:fld id="{18FEBBFC-92DB-4C31-B103-54A19DAC25BE}" type="datetimeFigureOut">
               <a:rPr lang="en-US" smtClean="0"/>
-              <a:t>4/26/2015</a:t>
+              <a:t>5/2/2015</a:t>
             </a:fld>
             <a:endParaRPr lang="en-US"/>
           </a:p>
@@ -289,7 +294,7 @@
     </p:spTree>
     <p:extLst>
       <p:ext uri="{BB962C8B-B14F-4D97-AF65-F5344CB8AC3E}">
-        <p14:creationId xmlns:p14="http://schemas.microsoft.com/office/powerpoint/2010/main" val="3861930228"/>
+        <p14:creationId xmlns:p14="http://schemas.microsoft.com/office/powerpoint/2010/main" val="3646837166"/>
       </p:ext>
     </p:extLst>
   </p:cSld>
@@ -408,7 +413,7 @@
           <a:p>
             <a:fld id="{18FEBBFC-92DB-4C31-B103-54A19DAC25BE}" type="datetimeFigureOut">
               <a:rPr lang="en-US" smtClean="0"/>
-              <a:t>4/26/2015</a:t>
+              <a:t>5/2/2015</a:t>
             </a:fld>
             <a:endParaRPr lang="en-US"/>
           </a:p>
@@ -459,7 +464,7 @@
     </p:spTree>
     <p:extLst>
       <p:ext uri="{BB962C8B-B14F-4D97-AF65-F5344CB8AC3E}">
-        <p14:creationId xmlns:p14="http://schemas.microsoft.com/office/powerpoint/2010/main" val="2659040053"/>
+        <p14:creationId xmlns:p14="http://schemas.microsoft.com/office/powerpoint/2010/main" val="3083703654"/>
       </p:ext>
     </p:extLst>
   </p:cSld>
@@ -498,8 +503,8 @@
         </p:nvSpPr>
         <p:spPr>
           <a:xfrm>
-            <a:off x="6543676" y="730250"/>
-            <a:ext cx="1971675" cy="11623676"/>
+            <a:off x="6543676" y="584200"/>
+            <a:ext cx="1971675" cy="9298941"/>
           </a:xfrm>
         </p:spPr>
         <p:txBody>
@@ -526,8 +531,8 @@
         </p:nvSpPr>
         <p:spPr>
           <a:xfrm>
-            <a:off x="628651" y="730250"/>
-            <a:ext cx="5800725" cy="11623676"/>
+            <a:off x="628651" y="584200"/>
+            <a:ext cx="5800725" cy="9298941"/>
           </a:xfrm>
         </p:spPr>
         <p:txBody>
@@ -588,7 +593,7 @@
           <a:p>
             <a:fld id="{18FEBBFC-92DB-4C31-B103-54A19DAC25BE}" type="datetimeFigureOut">
               <a:rPr lang="en-US" smtClean="0"/>
-              <a:t>4/26/2015</a:t>
+              <a:t>5/2/2015</a:t>
             </a:fld>
             <a:endParaRPr lang="en-US"/>
           </a:p>
@@ -639,7 +644,7 @@
     </p:spTree>
     <p:extLst>
       <p:ext uri="{BB962C8B-B14F-4D97-AF65-F5344CB8AC3E}">
-        <p14:creationId xmlns:p14="http://schemas.microsoft.com/office/powerpoint/2010/main" val="522793682"/>
+        <p14:creationId xmlns:p14="http://schemas.microsoft.com/office/powerpoint/2010/main" val="179684353"/>
       </p:ext>
     </p:extLst>
   </p:cSld>
@@ -758,7 +763,7 @@
           <a:p>
             <a:fld id="{18FEBBFC-92DB-4C31-B103-54A19DAC25BE}" type="datetimeFigureOut">
               <a:rPr lang="en-US" smtClean="0"/>
-              <a:t>4/26/2015</a:t>
+              <a:t>5/2/2015</a:t>
             </a:fld>
             <a:endParaRPr lang="en-US"/>
           </a:p>
@@ -809,7 +814,7 @@
     </p:spTree>
     <p:extLst>
       <p:ext uri="{BB962C8B-B14F-4D97-AF65-F5344CB8AC3E}">
-        <p14:creationId xmlns:p14="http://schemas.microsoft.com/office/powerpoint/2010/main" val="3630027416"/>
+        <p14:creationId xmlns:p14="http://schemas.microsoft.com/office/powerpoint/2010/main" val="3667933149"/>
       </p:ext>
     </p:extLst>
   </p:cSld>
@@ -848,8 +853,8 @@
         </p:nvSpPr>
         <p:spPr>
           <a:xfrm>
-            <a:off x="623888" y="3419479"/>
-            <a:ext cx="7886700" cy="5705474"/>
+            <a:off x="623888" y="2735583"/>
+            <a:ext cx="7886700" cy="4564379"/>
           </a:xfrm>
         </p:spPr>
         <p:txBody>
@@ -880,8 +885,8 @@
         </p:nvSpPr>
         <p:spPr>
           <a:xfrm>
-            <a:off x="623888" y="9178929"/>
-            <a:ext cx="7886700" cy="3000374"/>
+            <a:off x="623888" y="7343143"/>
+            <a:ext cx="7886700" cy="2400299"/>
           </a:xfrm>
         </p:spPr>
         <p:txBody>
@@ -1002,7 +1007,7 @@
           <a:p>
             <a:fld id="{18FEBBFC-92DB-4C31-B103-54A19DAC25BE}" type="datetimeFigureOut">
               <a:rPr lang="en-US" smtClean="0"/>
-              <a:t>4/26/2015</a:t>
+              <a:t>5/2/2015</a:t>
             </a:fld>
             <a:endParaRPr lang="en-US"/>
           </a:p>
@@ -1053,7 +1058,7 @@
     </p:spTree>
     <p:extLst>
       <p:ext uri="{BB962C8B-B14F-4D97-AF65-F5344CB8AC3E}">
-        <p14:creationId xmlns:p14="http://schemas.microsoft.com/office/powerpoint/2010/main" val="1959864153"/>
+        <p14:creationId xmlns:p14="http://schemas.microsoft.com/office/powerpoint/2010/main" val="2966587082"/>
       </p:ext>
     </p:extLst>
   </p:cSld>
@@ -1115,8 +1120,8 @@
         </p:nvSpPr>
         <p:spPr>
           <a:xfrm>
-            <a:off x="628650" y="3651250"/>
-            <a:ext cx="3886200" cy="8702676"/>
+            <a:off x="628650" y="2921000"/>
+            <a:ext cx="3886200" cy="6962141"/>
           </a:xfrm>
         </p:spPr>
         <p:txBody>
@@ -1172,8 +1177,8 @@
         </p:nvSpPr>
         <p:spPr>
           <a:xfrm>
-            <a:off x="4629150" y="3651250"/>
-            <a:ext cx="3886200" cy="8702676"/>
+            <a:off x="4629150" y="2921000"/>
+            <a:ext cx="3886200" cy="6962141"/>
           </a:xfrm>
         </p:spPr>
         <p:txBody>
@@ -1234,7 +1239,7 @@
           <a:p>
             <a:fld id="{18FEBBFC-92DB-4C31-B103-54A19DAC25BE}" type="datetimeFigureOut">
               <a:rPr lang="en-US" smtClean="0"/>
-              <a:t>4/26/2015</a:t>
+              <a:t>5/2/2015</a:t>
             </a:fld>
             <a:endParaRPr lang="en-US"/>
           </a:p>
@@ -1285,7 +1290,7 @@
     </p:spTree>
     <p:extLst>
       <p:ext uri="{BB962C8B-B14F-4D97-AF65-F5344CB8AC3E}">
-        <p14:creationId xmlns:p14="http://schemas.microsoft.com/office/powerpoint/2010/main" val="838150475"/>
+        <p14:creationId xmlns:p14="http://schemas.microsoft.com/office/powerpoint/2010/main" val="1650000102"/>
       </p:ext>
     </p:extLst>
   </p:cSld>
@@ -1324,8 +1329,8 @@
         </p:nvSpPr>
         <p:spPr>
           <a:xfrm>
-            <a:off x="629841" y="730253"/>
-            <a:ext cx="7886700" cy="2651126"/>
+            <a:off x="629841" y="584202"/>
+            <a:ext cx="7886700" cy="2120901"/>
           </a:xfrm>
         </p:spPr>
         <p:txBody>
@@ -1352,8 +1357,8 @@
         </p:nvSpPr>
         <p:spPr>
           <a:xfrm>
-            <a:off x="629842" y="3362326"/>
-            <a:ext cx="3868340" cy="1647824"/>
+            <a:off x="629842" y="2689861"/>
+            <a:ext cx="3868340" cy="1318259"/>
           </a:xfrm>
         </p:spPr>
         <p:txBody>
@@ -1417,8 +1422,8 @@
         </p:nvSpPr>
         <p:spPr>
           <a:xfrm>
-            <a:off x="629842" y="5010150"/>
-            <a:ext cx="3868340" cy="7369176"/>
+            <a:off x="629842" y="4008120"/>
+            <a:ext cx="3868340" cy="5895341"/>
           </a:xfrm>
         </p:spPr>
         <p:txBody>
@@ -1474,8 +1479,8 @@
         </p:nvSpPr>
         <p:spPr>
           <a:xfrm>
-            <a:off x="4629151" y="3362326"/>
-            <a:ext cx="3887391" cy="1647824"/>
+            <a:off x="4629151" y="2689861"/>
+            <a:ext cx="3887391" cy="1318259"/>
           </a:xfrm>
         </p:spPr>
         <p:txBody>
@@ -1539,8 +1544,8 @@
         </p:nvSpPr>
         <p:spPr>
           <a:xfrm>
-            <a:off x="4629151" y="5010150"/>
-            <a:ext cx="3887391" cy="7369176"/>
+            <a:off x="4629151" y="4008120"/>
+            <a:ext cx="3887391" cy="5895341"/>
           </a:xfrm>
         </p:spPr>
         <p:txBody>
@@ -1601,7 +1606,7 @@
           <a:p>
             <a:fld id="{18FEBBFC-92DB-4C31-B103-54A19DAC25BE}" type="datetimeFigureOut">
               <a:rPr lang="en-US" smtClean="0"/>
-              <a:t>4/26/2015</a:t>
+              <a:t>5/2/2015</a:t>
             </a:fld>
             <a:endParaRPr lang="en-US"/>
           </a:p>
@@ -1652,7 +1657,7 @@
     </p:spTree>
     <p:extLst>
       <p:ext uri="{BB962C8B-B14F-4D97-AF65-F5344CB8AC3E}">
-        <p14:creationId xmlns:p14="http://schemas.microsoft.com/office/powerpoint/2010/main" val="3213240510"/>
+        <p14:creationId xmlns:p14="http://schemas.microsoft.com/office/powerpoint/2010/main" val="1704086417"/>
       </p:ext>
     </p:extLst>
   </p:cSld>
@@ -1719,7 +1724,7 @@
           <a:p>
             <a:fld id="{18FEBBFC-92DB-4C31-B103-54A19DAC25BE}" type="datetimeFigureOut">
               <a:rPr lang="en-US" smtClean="0"/>
-              <a:t>4/26/2015</a:t>
+              <a:t>5/2/2015</a:t>
             </a:fld>
             <a:endParaRPr lang="en-US"/>
           </a:p>
@@ -1770,7 +1775,7 @@
     </p:spTree>
     <p:extLst>
       <p:ext uri="{BB962C8B-B14F-4D97-AF65-F5344CB8AC3E}">
-        <p14:creationId xmlns:p14="http://schemas.microsoft.com/office/powerpoint/2010/main" val="4056768908"/>
+        <p14:creationId xmlns:p14="http://schemas.microsoft.com/office/powerpoint/2010/main" val="156652984"/>
       </p:ext>
     </p:extLst>
   </p:cSld>
@@ -1814,7 +1819,7 @@
           <a:p>
             <a:fld id="{18FEBBFC-92DB-4C31-B103-54A19DAC25BE}" type="datetimeFigureOut">
               <a:rPr lang="en-US" smtClean="0"/>
-              <a:t>4/26/2015</a:t>
+              <a:t>5/2/2015</a:t>
             </a:fld>
             <a:endParaRPr lang="en-US"/>
           </a:p>
@@ -1865,7 +1870,7 @@
     </p:spTree>
     <p:extLst>
       <p:ext uri="{BB962C8B-B14F-4D97-AF65-F5344CB8AC3E}">
-        <p14:creationId xmlns:p14="http://schemas.microsoft.com/office/powerpoint/2010/main" val="2334823355"/>
+        <p14:creationId xmlns:p14="http://schemas.microsoft.com/office/powerpoint/2010/main" val="3689687003"/>
       </p:ext>
     </p:extLst>
   </p:cSld>
@@ -1904,8 +1909,8 @@
         </p:nvSpPr>
         <p:spPr>
           <a:xfrm>
-            <a:off x="629841" y="914400"/>
-            <a:ext cx="2949178" cy="3200400"/>
+            <a:off x="629841" y="731520"/>
+            <a:ext cx="2949178" cy="2560320"/>
           </a:xfrm>
         </p:spPr>
         <p:txBody>
@@ -1936,8 +1941,8 @@
         </p:nvSpPr>
         <p:spPr>
           <a:xfrm>
-            <a:off x="3887391" y="1974853"/>
-            <a:ext cx="4629150" cy="9747250"/>
+            <a:off x="3887391" y="1579882"/>
+            <a:ext cx="4629150" cy="7797800"/>
           </a:xfrm>
         </p:spPr>
         <p:txBody>
@@ -2021,8 +2026,8 @@
         </p:nvSpPr>
         <p:spPr>
           <a:xfrm>
-            <a:off x="629841" y="4114800"/>
-            <a:ext cx="2949178" cy="7623176"/>
+            <a:off x="629841" y="3291840"/>
+            <a:ext cx="2949178" cy="6098541"/>
           </a:xfrm>
         </p:spPr>
         <p:txBody>
@@ -2091,7 +2096,7 @@
           <a:p>
             <a:fld id="{18FEBBFC-92DB-4C31-B103-54A19DAC25BE}" type="datetimeFigureOut">
               <a:rPr lang="en-US" smtClean="0"/>
-              <a:t>4/26/2015</a:t>
+              <a:t>5/2/2015</a:t>
             </a:fld>
             <a:endParaRPr lang="en-US"/>
           </a:p>
@@ -2142,7 +2147,7 @@
     </p:spTree>
     <p:extLst>
       <p:ext uri="{BB962C8B-B14F-4D97-AF65-F5344CB8AC3E}">
-        <p14:creationId xmlns:p14="http://schemas.microsoft.com/office/powerpoint/2010/main" val="2299379307"/>
+        <p14:creationId xmlns:p14="http://schemas.microsoft.com/office/powerpoint/2010/main" val="3757143217"/>
       </p:ext>
     </p:extLst>
   </p:cSld>
@@ -2181,8 +2186,8 @@
         </p:nvSpPr>
         <p:spPr>
           <a:xfrm>
-            <a:off x="629841" y="914400"/>
-            <a:ext cx="2949178" cy="3200400"/>
+            <a:off x="629841" y="731520"/>
+            <a:ext cx="2949178" cy="2560320"/>
           </a:xfrm>
         </p:spPr>
         <p:txBody>
@@ -2213,8 +2218,8 @@
         </p:nvSpPr>
         <p:spPr>
           <a:xfrm>
-            <a:off x="3887391" y="1974853"/>
-            <a:ext cx="4629150" cy="9747250"/>
+            <a:off x="3887391" y="1579882"/>
+            <a:ext cx="4629150" cy="7797800"/>
           </a:xfrm>
         </p:spPr>
         <p:txBody>
@@ -2278,8 +2283,8 @@
         </p:nvSpPr>
         <p:spPr>
           <a:xfrm>
-            <a:off x="629841" y="4114800"/>
-            <a:ext cx="2949178" cy="7623176"/>
+            <a:off x="629841" y="3291840"/>
+            <a:ext cx="2949178" cy="6098541"/>
           </a:xfrm>
         </p:spPr>
         <p:txBody>
@@ -2348,7 +2353,7 @@
           <a:p>
             <a:fld id="{18FEBBFC-92DB-4C31-B103-54A19DAC25BE}" type="datetimeFigureOut">
               <a:rPr lang="en-US" smtClean="0"/>
-              <a:t>4/26/2015</a:t>
+              <a:t>5/2/2015</a:t>
             </a:fld>
             <a:endParaRPr lang="en-US"/>
           </a:p>
@@ -2399,7 +2404,7 @@
     </p:spTree>
     <p:extLst>
       <p:ext uri="{BB962C8B-B14F-4D97-AF65-F5344CB8AC3E}">
-        <p14:creationId xmlns:p14="http://schemas.microsoft.com/office/powerpoint/2010/main" val="1626214834"/>
+        <p14:creationId xmlns:p14="http://schemas.microsoft.com/office/powerpoint/2010/main" val="1834829176"/>
       </p:ext>
     </p:extLst>
   </p:cSld>
@@ -2443,8 +2448,8 @@
         </p:nvSpPr>
         <p:spPr>
           <a:xfrm>
-            <a:off x="628650" y="730253"/>
-            <a:ext cx="7886700" cy="2651126"/>
+            <a:off x="628650" y="584202"/>
+            <a:ext cx="7886700" cy="2120901"/>
           </a:xfrm>
           <a:prstGeom prst="rect">
             <a:avLst/>
@@ -2476,8 +2481,8 @@
         </p:nvSpPr>
         <p:spPr>
           <a:xfrm>
-            <a:off x="628650" y="3651250"/>
-            <a:ext cx="7886700" cy="8702676"/>
+            <a:off x="628650" y="2921000"/>
+            <a:ext cx="7886700" cy="6962141"/>
           </a:xfrm>
           <a:prstGeom prst="rect">
             <a:avLst/>
@@ -2538,8 +2543,8 @@
         </p:nvSpPr>
         <p:spPr>
           <a:xfrm>
-            <a:off x="628650" y="12712703"/>
-            <a:ext cx="2057400" cy="730250"/>
+            <a:off x="628650" y="10170162"/>
+            <a:ext cx="2057400" cy="584200"/>
           </a:xfrm>
           <a:prstGeom prst="rect">
             <a:avLst/>
@@ -2561,7 +2566,7 @@
           <a:p>
             <a:fld id="{18FEBBFC-92DB-4C31-B103-54A19DAC25BE}" type="datetimeFigureOut">
               <a:rPr lang="en-US" smtClean="0"/>
-              <a:t>4/26/2015</a:t>
+              <a:t>5/2/2015</a:t>
             </a:fld>
             <a:endParaRPr lang="en-US"/>
           </a:p>
@@ -2579,8 +2584,8 @@
         </p:nvSpPr>
         <p:spPr>
           <a:xfrm>
-            <a:off x="3028950" y="12712703"/>
-            <a:ext cx="3086100" cy="730250"/>
+            <a:off x="3028950" y="10170162"/>
+            <a:ext cx="3086100" cy="584200"/>
           </a:xfrm>
           <a:prstGeom prst="rect">
             <a:avLst/>
@@ -2616,8 +2621,8 @@
         </p:nvSpPr>
         <p:spPr>
           <a:xfrm>
-            <a:off x="6457950" y="12712703"/>
-            <a:ext cx="2057400" cy="730250"/>
+            <a:off x="6457950" y="10170162"/>
+            <a:ext cx="2057400" cy="584200"/>
           </a:xfrm>
           <a:prstGeom prst="rect">
             <a:avLst/>
@@ -2648,23 +2653,23 @@
     </p:spTree>
     <p:extLst>
       <p:ext uri="{BB962C8B-B14F-4D97-AF65-F5344CB8AC3E}">
-        <p14:creationId xmlns:p14="http://schemas.microsoft.com/office/powerpoint/2010/main" val="2913021364"/>
+        <p14:creationId xmlns:p14="http://schemas.microsoft.com/office/powerpoint/2010/main" val="2443462949"/>
       </p:ext>
     </p:extLst>
   </p:cSld>
   <p:clrMap bg1="lt1" tx1="dk1" bg2="lt2" tx2="dk2" accent1="accent1" accent2="accent2" accent3="accent3" accent4="accent4" accent5="accent5" accent6="accent6" hlink="hlink" folHlink="folHlink"/>
   <p:sldLayoutIdLst>
-    <p:sldLayoutId id="2147483709" r:id="rId1"/>
-    <p:sldLayoutId id="2147483710" r:id="rId2"/>
-    <p:sldLayoutId id="2147483711" r:id="rId3"/>
-    <p:sldLayoutId id="2147483712" r:id="rId4"/>
-    <p:sldLayoutId id="2147483713" r:id="rId5"/>
-    <p:sldLayoutId id="2147483714" r:id="rId6"/>
-    <p:sldLayoutId id="2147483715" r:id="rId7"/>
-    <p:sldLayoutId id="2147483716" r:id="rId8"/>
-    <p:sldLayoutId id="2147483717" r:id="rId9"/>
-    <p:sldLayoutId id="2147483718" r:id="rId10"/>
-    <p:sldLayoutId id="2147483719" r:id="rId11"/>
+    <p:sldLayoutId id="2147483721" r:id="rId1"/>
+    <p:sldLayoutId id="2147483722" r:id="rId2"/>
+    <p:sldLayoutId id="2147483723" r:id="rId3"/>
+    <p:sldLayoutId id="2147483724" r:id="rId4"/>
+    <p:sldLayoutId id="2147483725" r:id="rId5"/>
+    <p:sldLayoutId id="2147483726" r:id="rId6"/>
+    <p:sldLayoutId id="2147483727" r:id="rId7"/>
+    <p:sldLayoutId id="2147483728" r:id="rId8"/>
+    <p:sldLayoutId id="2147483729" r:id="rId9"/>
+    <p:sldLayoutId id="2147483730" r:id="rId10"/>
+    <p:sldLayoutId id="2147483731" r:id="rId11"/>
   </p:sldLayoutIdLst>
   <p:txStyles>
     <p:titleStyle>
@@ -2966,76 +2971,168 @@
           <a:chExt cx="0" cy="0"/>
         </a:xfrm>
       </p:grpSpPr>
-      <p:pic>
-        <p:nvPicPr>
-          <p:cNvPr id="7" name="Picture 6"/>
-          <p:cNvPicPr>
-            <a:picLocks noChangeAspect="1"/>
-          </p:cNvPicPr>
+      <p:grpSp>
+        <p:nvGrpSpPr>
+          <p:cNvPr id="3" name="Group 2"/>
+          <p:cNvGrpSpPr/>
           <p:nvPr/>
-        </p:nvPicPr>
-        <p:blipFill>
-          <a:blip r:embed="rId2">
-            <a:extLst>
-              <a:ext uri="{28A0092B-C50C-407E-A947-70E740481C1C}">
-                <a14:useLocalDpi xmlns:a14="http://schemas.microsoft.com/office/drawing/2010/main" val="0"/>
-              </a:ext>
-            </a:extLst>
-          </a:blip>
-          <a:stretch>
-            <a:fillRect/>
-          </a:stretch>
-        </p:blipFill>
+        </p:nvGrpSpPr>
+        <p:grpSpPr>
+          <a:xfrm>
+            <a:off x="0" y="0"/>
+            <a:ext cx="9144000" cy="10972800"/>
+            <a:chOff x="0" y="0"/>
+            <a:chExt cx="9175590" cy="11010708"/>
+          </a:xfrm>
+        </p:grpSpPr>
+        <p:pic>
+          <p:nvPicPr>
+            <p:cNvPr id="8" name="Picture 7"/>
+            <p:cNvPicPr>
+              <a:picLocks noChangeAspect="1"/>
+            </p:cNvPicPr>
+            <p:nvPr/>
+          </p:nvPicPr>
+          <p:blipFill>
+            <a:blip r:embed="rId2">
+              <a:extLst>
+                <a:ext uri="{28A0092B-C50C-407E-A947-70E740481C1C}">
+                  <a14:useLocalDpi xmlns:a14="http://schemas.microsoft.com/office/drawing/2010/main" val="0"/>
+                </a:ext>
+              </a:extLst>
+            </a:blip>
+            <a:stretch>
+              <a:fillRect/>
+            </a:stretch>
+          </p:blipFill>
+          <p:spPr>
+            <a:xfrm>
+              <a:off x="0" y="6811348"/>
+              <a:ext cx="9144000" cy="4199360"/>
+            </a:xfrm>
+            <a:prstGeom prst="rect">
+              <a:avLst/>
+            </a:prstGeom>
+            <a:ln>
+              <a:solidFill>
+                <a:schemeClr val="tx1"/>
+              </a:solidFill>
+            </a:ln>
+          </p:spPr>
+        </p:pic>
+        <p:pic>
+          <p:nvPicPr>
+            <p:cNvPr id="2" name="Picture 1"/>
+            <p:cNvPicPr>
+              <a:picLocks noChangeAspect="1"/>
+            </p:cNvPicPr>
+            <p:nvPr/>
+          </p:nvPicPr>
+          <p:blipFill>
+            <a:blip r:embed="rId3">
+              <a:extLst>
+                <a:ext uri="{28A0092B-C50C-407E-A947-70E740481C1C}">
+                  <a14:useLocalDpi xmlns:a14="http://schemas.microsoft.com/office/drawing/2010/main" val="0"/>
+                </a:ext>
+              </a:extLst>
+            </a:blip>
+            <a:stretch>
+              <a:fillRect/>
+            </a:stretch>
+          </p:blipFill>
+          <p:spPr>
+            <a:xfrm>
+              <a:off x="0" y="0"/>
+              <a:ext cx="9175590" cy="6834879"/>
+            </a:xfrm>
+            <a:prstGeom prst="rect">
+              <a:avLst/>
+            </a:prstGeom>
+          </p:spPr>
+        </p:pic>
+      </p:grpSp>
+      <p:sp>
+        <p:nvSpPr>
+          <p:cNvPr id="4" name="Rectangle 3"/>
+          <p:cNvSpPr/>
+          <p:nvPr/>
+        </p:nvSpPr>
         <p:spPr>
           <a:xfrm>
-            <a:off x="0" y="264159"/>
-            <a:ext cx="9144000" cy="8731945"/>
+            <a:off x="0" y="6787898"/>
+            <a:ext cx="9112519" cy="4184902"/>
           </a:xfrm>
           <a:prstGeom prst="rect">
             <a:avLst/>
           </a:prstGeom>
-          <a:ln>
+          <a:noFill/>
+          <a:ln w="57150">
             <a:solidFill>
-              <a:schemeClr val="tx1"/>
+              <a:srgbClr val="FF0000"/>
             </a:solidFill>
           </a:ln>
         </p:spPr>
-      </p:pic>
-      <p:pic>
-        <p:nvPicPr>
-          <p:cNvPr id="8" name="Picture 7"/>
-          <p:cNvPicPr>
-            <a:picLocks noChangeAspect="1"/>
-          </p:cNvPicPr>
+        <p:style>
+          <a:lnRef idx="2">
+            <a:schemeClr val="accent1">
+              <a:shade val="50000"/>
+            </a:schemeClr>
+          </a:lnRef>
+          <a:fillRef idx="1">
+            <a:schemeClr val="accent1"/>
+          </a:fillRef>
+          <a:effectRef idx="0">
+            <a:schemeClr val="accent1"/>
+          </a:effectRef>
+          <a:fontRef idx="minor">
+            <a:schemeClr val="lt1"/>
+          </a:fontRef>
+        </p:style>
+        <p:txBody>
+          <a:bodyPr rtlCol="0" anchor="ctr"/>
+          <a:lstStyle/>
+          <a:p>
+            <a:pPr algn="ctr"/>
+            <a:endParaRPr lang="en-US"/>
+          </a:p>
+        </p:txBody>
+      </p:sp>
+      <p:cxnSp>
+        <p:nvCxnSpPr>
+          <p:cNvPr id="6" name="Straight Arrow Connector 5"/>
+          <p:cNvCxnSpPr/>
           <p:nvPr/>
-        </p:nvPicPr>
-        <p:blipFill>
-          <a:blip r:embed="rId3">
-            <a:extLst>
-              <a:ext uri="{28A0092B-C50C-407E-A947-70E740481C1C}">
-                <a14:useLocalDpi xmlns:a14="http://schemas.microsoft.com/office/drawing/2010/main" val="0"/>
-              </a:ext>
-            </a:extLst>
-          </a:blip>
-          <a:stretch>
-            <a:fillRect/>
-          </a:stretch>
-        </p:blipFill>
+        </p:nvCxnSpPr>
         <p:spPr>
-          <a:xfrm>
-            <a:off x="0" y="9280584"/>
-            <a:ext cx="9144000" cy="4199360"/>
+          <a:xfrm flipH="1">
+            <a:off x="4591050" y="5562600"/>
+            <a:ext cx="381000" cy="1225298"/>
           </a:xfrm>
-          <a:prstGeom prst="rect">
+          <a:prstGeom prst="straightConnector1">
             <a:avLst/>
           </a:prstGeom>
-          <a:ln>
+          <a:ln w="57150">
             <a:solidFill>
-              <a:schemeClr val="tx1"/>
+              <a:srgbClr val="FF0000"/>
             </a:solidFill>
+            <a:tailEnd type="triangle"/>
           </a:ln>
         </p:spPr>
-      </p:pic>
+        <p:style>
+          <a:lnRef idx="1">
+            <a:schemeClr val="accent1"/>
+          </a:lnRef>
+          <a:fillRef idx="0">
+            <a:schemeClr val="accent1"/>
+          </a:fillRef>
+          <a:effectRef idx="0">
+            <a:schemeClr val="accent1"/>
+          </a:effectRef>
+          <a:fontRef idx="minor">
+            <a:schemeClr val="tx1"/>
+          </a:fontRef>
+        </p:style>
+      </p:cxnSp>
     </p:spTree>
     <p:extLst>
       <p:ext uri="{BB962C8B-B14F-4D97-AF65-F5344CB8AC3E}">
